--- a/Updates/Dota2 ML Project.pptx
+++ b/Updates/Dota2 ML Project.pptx
@@ -10,10 +10,9 @@
     <p:sldId id="258" r:id="rId4"/>
     <p:sldId id="259" r:id="rId5"/>
     <p:sldId id="260" r:id="rId6"/>
-    <p:sldId id="261" r:id="rId7"/>
-    <p:sldId id="262" r:id="rId8"/>
-    <p:sldId id="263" r:id="rId9"/>
-    <p:sldId id="264" r:id="rId10"/>
+    <p:sldId id="262" r:id="rId7"/>
+    <p:sldId id="263" r:id="rId8"/>
+    <p:sldId id="264" r:id="rId9"/>
   </p:sldIdLst>
   <p:sldSz cx="12192000" cy="6858000"/>
   <p:notesSz cx="6858000" cy="9144000"/>
@@ -112,6 +111,11 @@
       </a:defRPr>
     </a:lvl9pPr>
   </p:defaultTextStyle>
+  <p:extLst>
+    <p:ext uri="{EFAFB233-063F-42B5-8137-9DF3F51BA10A}">
+      <p15:sldGuideLst xmlns:p15="http://schemas.microsoft.com/office/powerpoint/2012/main"/>
+    </p:ext>
+  </p:extLst>
 </p:presentation>
 </file>
 
@@ -6459,31 +6463,113 @@
           </a:p>
         </p:txBody>
       </p:sp>
-      <p:sp>
-        <p:nvSpPr>
-          <p:cNvPr id="3" name="Content Placeholder 2">
+      <p:pic>
+        <p:nvPicPr>
+          <p:cNvPr id="25" name="Content Placeholder 24" descr="A screenshot of a computer screen&#10;&#10;Description automatically generated">
             <a:extLst>
               <a:ext uri="{FF2B5EF4-FFF2-40B4-BE49-F238E27FC236}">
-                <a16:creationId xmlns:a16="http://schemas.microsoft.com/office/drawing/2014/main" id="{6F2A24D8-75A4-4810-8953-166C0C2F9B66}"/>
+                <a16:creationId xmlns:a16="http://schemas.microsoft.com/office/drawing/2014/main" id="{09244C92-3CC1-4936-8E35-719D2A8517E6}"/>
               </a:ext>
             </a:extLst>
           </p:cNvPr>
-          <p:cNvSpPr>
-            <a:spLocks noGrp="1"/>
-          </p:cNvSpPr>
+          <p:cNvPicPr>
+            <a:picLocks noGrp="1" noChangeAspect="1"/>
+          </p:cNvPicPr>
           <p:nvPr>
             <p:ph idx="1"/>
           </p:nvPr>
-        </p:nvSpPr>
-        <p:spPr/>
-        <p:txBody>
-          <a:bodyPr/>
-          <a:lstStyle/>
-          <a:p>
-            <a:endParaRPr lang="en-US" dirty="0"/>
-          </a:p>
-        </p:txBody>
-      </p:sp>
+        </p:nvPicPr>
+        <p:blipFill>
+          <a:blip r:embed="rId2">
+            <a:extLst>
+              <a:ext uri="{28A0092B-C50C-407E-A947-70E740481C1C}">
+                <a14:useLocalDpi xmlns:a14="http://schemas.microsoft.com/office/drawing/2010/main" val="0"/>
+              </a:ext>
+            </a:extLst>
+          </a:blip>
+          <a:stretch>
+            <a:fillRect/>
+          </a:stretch>
+        </p:blipFill>
+        <p:spPr>
+          <a:xfrm>
+            <a:off x="4666382" y="1651519"/>
+            <a:ext cx="3038285" cy="4329557"/>
+          </a:xfrm>
+        </p:spPr>
+      </p:pic>
+      <p:pic>
+        <p:nvPicPr>
+          <p:cNvPr id="27" name="Picture 26" descr="A screenshot of a computer screen&#10;&#10;Description automatically generated">
+            <a:extLst>
+              <a:ext uri="{FF2B5EF4-FFF2-40B4-BE49-F238E27FC236}">
+                <a16:creationId xmlns:a16="http://schemas.microsoft.com/office/drawing/2014/main" id="{66AD2B04-0609-4FCA-AC4D-9995AB37E5E5}"/>
+              </a:ext>
+            </a:extLst>
+          </p:cNvPr>
+          <p:cNvPicPr>
+            <a:picLocks noChangeAspect="1"/>
+          </p:cNvPicPr>
+          <p:nvPr/>
+        </p:nvPicPr>
+        <p:blipFill>
+          <a:blip r:embed="rId3">
+            <a:extLst>
+              <a:ext uri="{28A0092B-C50C-407E-A947-70E740481C1C}">
+                <a14:useLocalDpi xmlns:a14="http://schemas.microsoft.com/office/drawing/2010/main" val="0"/>
+              </a:ext>
+            </a:extLst>
+          </a:blip>
+          <a:stretch>
+            <a:fillRect/>
+          </a:stretch>
+        </p:blipFill>
+        <p:spPr>
+          <a:xfrm>
+            <a:off x="8518216" y="1651520"/>
+            <a:ext cx="2691560" cy="4329403"/>
+          </a:xfrm>
+          <a:prstGeom prst="rect">
+            <a:avLst/>
+          </a:prstGeom>
+        </p:spPr>
+      </p:pic>
+      <p:pic>
+        <p:nvPicPr>
+          <p:cNvPr id="29" name="Picture 28" descr="A screenshot of a computer screen&#10;&#10;Description automatically generated">
+            <a:extLst>
+              <a:ext uri="{FF2B5EF4-FFF2-40B4-BE49-F238E27FC236}">
+                <a16:creationId xmlns:a16="http://schemas.microsoft.com/office/drawing/2014/main" id="{D8196F32-DF98-4884-85DF-DC06146D31EC}"/>
+              </a:ext>
+            </a:extLst>
+          </p:cNvPr>
+          <p:cNvPicPr>
+            <a:picLocks noChangeAspect="1"/>
+          </p:cNvPicPr>
+          <p:nvPr/>
+        </p:nvPicPr>
+        <p:blipFill>
+          <a:blip r:embed="rId4">
+            <a:extLst>
+              <a:ext uri="{28A0092B-C50C-407E-A947-70E740481C1C}">
+                <a14:useLocalDpi xmlns:a14="http://schemas.microsoft.com/office/drawing/2010/main" val="0"/>
+              </a:ext>
+            </a:extLst>
+          </a:blip>
+          <a:stretch>
+            <a:fillRect/>
+          </a:stretch>
+        </p:blipFill>
+        <p:spPr>
+          <a:xfrm>
+            <a:off x="982224" y="1651519"/>
+            <a:ext cx="2499682" cy="4329404"/>
+          </a:xfrm>
+          <a:prstGeom prst="rect">
+            <a:avLst/>
+          </a:prstGeom>
+        </p:spPr>
+      </p:pic>
     </p:spTree>
     <p:extLst>
       <p:ext uri="{BB962C8B-B14F-4D97-AF65-F5344CB8AC3E}">
@@ -6519,7 +6605,7 @@
           <p:cNvPr id="2" name="Title 1">
             <a:extLst>
               <a:ext uri="{FF2B5EF4-FFF2-40B4-BE49-F238E27FC236}">
-                <a16:creationId xmlns:a16="http://schemas.microsoft.com/office/drawing/2014/main" id="{863A3588-67A1-46CE-B3F6-44248F4F8B77}"/>
+                <a16:creationId xmlns:a16="http://schemas.microsoft.com/office/drawing/2014/main" id="{B8D91584-6642-4CD5-B90D-1D0DDC0822A1}"/>
               </a:ext>
             </a:extLst>
           </p:cNvPr>
@@ -6537,7 +6623,7 @@
           <a:p>
             <a:r>
               <a:rPr lang="en-US" dirty="0"/>
-              <a:t>Champ Pick</a:t>
+              <a:t>Improvements</a:t>
             </a:r>
           </a:p>
         </p:txBody>
@@ -6547,7 +6633,7 @@
           <p:cNvPr id="3" name="Content Placeholder 2">
             <a:extLst>
               <a:ext uri="{FF2B5EF4-FFF2-40B4-BE49-F238E27FC236}">
-                <a16:creationId xmlns:a16="http://schemas.microsoft.com/office/drawing/2014/main" id="{21E51EE8-7D6D-4D3D-A31B-784453709806}"/>
+                <a16:creationId xmlns:a16="http://schemas.microsoft.com/office/drawing/2014/main" id="{B72AF805-0084-40DF-A7BE-454A9CEE5F39}"/>
               </a:ext>
             </a:extLst>
           </p:cNvPr>
@@ -6563,14 +6649,20 @@
           <a:bodyPr/>
           <a:lstStyle/>
           <a:p>
-            <a:endParaRPr lang="en-US"/>
+            <a:r>
+              <a:rPr lang="en-US" dirty="0"/>
+              <a:t>Different distance for each role that was changed</a:t>
+            </a:r>
+          </a:p>
+          <a:p>
+            <a:endParaRPr lang="en-US" dirty="0"/>
           </a:p>
         </p:txBody>
       </p:sp>
     </p:spTree>
     <p:extLst>
       <p:ext uri="{BB962C8B-B14F-4D97-AF65-F5344CB8AC3E}">
-        <p14:creationId xmlns:p14="http://schemas.microsoft.com/office/powerpoint/2010/main" val="1070558637"/>
+        <p14:creationId xmlns:p14="http://schemas.microsoft.com/office/powerpoint/2010/main" val="3251066078"/>
       </p:ext>
     </p:extLst>
   </p:cSld>
@@ -6602,95 +6694,6 @@
           <p:cNvPr id="2" name="Title 1">
             <a:extLst>
               <a:ext uri="{FF2B5EF4-FFF2-40B4-BE49-F238E27FC236}">
-                <a16:creationId xmlns:a16="http://schemas.microsoft.com/office/drawing/2014/main" id="{B8D91584-6642-4CD5-B90D-1D0DDC0822A1}"/>
-              </a:ext>
-            </a:extLst>
-          </p:cNvPr>
-          <p:cNvSpPr>
-            <a:spLocks noGrp="1"/>
-          </p:cNvSpPr>
-          <p:nvPr>
-            <p:ph type="title"/>
-          </p:nvPr>
-        </p:nvSpPr>
-        <p:spPr/>
-        <p:txBody>
-          <a:bodyPr/>
-          <a:lstStyle/>
-          <a:p>
-            <a:r>
-              <a:rPr lang="en-US" dirty="0"/>
-              <a:t>Improvements</a:t>
-            </a:r>
-          </a:p>
-        </p:txBody>
-      </p:sp>
-      <p:sp>
-        <p:nvSpPr>
-          <p:cNvPr id="3" name="Content Placeholder 2">
-            <a:extLst>
-              <a:ext uri="{FF2B5EF4-FFF2-40B4-BE49-F238E27FC236}">
-                <a16:creationId xmlns:a16="http://schemas.microsoft.com/office/drawing/2014/main" id="{B72AF805-0084-40DF-A7BE-454A9CEE5F39}"/>
-              </a:ext>
-            </a:extLst>
-          </p:cNvPr>
-          <p:cNvSpPr>
-            <a:spLocks noGrp="1"/>
-          </p:cNvSpPr>
-          <p:nvPr>
-            <p:ph idx="1"/>
-          </p:nvPr>
-        </p:nvSpPr>
-        <p:spPr/>
-        <p:txBody>
-          <a:bodyPr/>
-          <a:lstStyle/>
-          <a:p>
-            <a:r>
-              <a:rPr lang="en-US" dirty="0"/>
-              <a:t>Different distance for each role that was changed</a:t>
-            </a:r>
-          </a:p>
-          <a:p>
-            <a:endParaRPr lang="en-US" dirty="0"/>
-          </a:p>
-        </p:txBody>
-      </p:sp>
-    </p:spTree>
-    <p:extLst>
-      <p:ext uri="{BB962C8B-B14F-4D97-AF65-F5344CB8AC3E}">
-        <p14:creationId xmlns:p14="http://schemas.microsoft.com/office/powerpoint/2010/main" val="3251066078"/>
-      </p:ext>
-    </p:extLst>
-  </p:cSld>
-  <p:clrMapOvr>
-    <a:masterClrMapping/>
-  </p:clrMapOvr>
-</p:sld>
-</file>
-
-<file path=ppt/slides/slide8.xml><?xml version="1.0" encoding="utf-8"?>
-<p:sld xmlns:a="http://schemas.openxmlformats.org/drawingml/2006/main" xmlns:r="http://schemas.openxmlformats.org/officeDocument/2006/relationships" xmlns:p="http://schemas.openxmlformats.org/presentationml/2006/main">
-  <p:cSld>
-    <p:spTree>
-      <p:nvGrpSpPr>
-        <p:cNvPr id="1" name=""/>
-        <p:cNvGrpSpPr/>
-        <p:nvPr/>
-      </p:nvGrpSpPr>
-      <p:grpSpPr>
-        <a:xfrm>
-          <a:off x="0" y="0"/>
-          <a:ext cx="0" cy="0"/>
-          <a:chOff x="0" y="0"/>
-          <a:chExt cx="0" cy="0"/>
-        </a:xfrm>
-      </p:grpSpPr>
-      <p:sp>
-        <p:nvSpPr>
-          <p:cNvPr id="2" name="Title 1">
-            <a:extLst>
-              <a:ext uri="{FF2B5EF4-FFF2-40B4-BE49-F238E27FC236}">
                 <a16:creationId xmlns:a16="http://schemas.microsoft.com/office/drawing/2014/main" id="{E006DDC9-B449-43B9-A0C4-E2998ADE4816}"/>
               </a:ext>
             </a:extLst>
@@ -6752,7 +6755,7 @@
 </p:sld>
 </file>
 
-<file path=ppt/slides/slide9.xml><?xml version="1.0" encoding="utf-8"?>
+<file path=ppt/slides/slide8.xml><?xml version="1.0" encoding="utf-8"?>
 <p:sld xmlns:a="http://schemas.openxmlformats.org/drawingml/2006/main" xmlns:r="http://schemas.openxmlformats.org/officeDocument/2006/relationships" xmlns:p="http://schemas.openxmlformats.org/presentationml/2006/main">
   <p:cSld>
     <p:spTree>
